--- a/Presentation-Bank Marketing Effectiveness Prediction.pptx.pptx
+++ b/Presentation-Bank Marketing Effectiveness Prediction.pptx.pptx
@@ -6735,8 +6735,8 @@
         </p:nvSpPr>
         <p:spPr>
           <a:xfrm>
-            <a:off x="475249" y="1321197"/>
-            <a:ext cx="8009255" cy="1600951"/>
+            <a:off x="457201" y="1321197"/>
+            <a:ext cx="8458199" cy="3816942"/>
           </a:xfrm>
           <a:prstGeom prst="rect">
             <a:avLst/>
@@ -7158,7 +7158,7 @@
               </a:rPr>
               <a:t>sampling.</a:t>
             </a:r>
-            <a:endParaRPr sz="1600" dirty="0">
+            <a:endParaRPr lang="en-US" sz="1600" dirty="0">
               <a:solidFill>
                 <a:schemeClr val="tx2">
                   <a:lumMod val="75000"/>
@@ -7173,6 +7173,101 @@
               <a:lnSpc>
                 <a:spcPct val="100000"/>
               </a:lnSpc>
+              <a:spcBef>
+                <a:spcPts val="5"/>
+              </a:spcBef>
+              <a:buClr>
+                <a:srgbClr val="134F5C"/>
+              </a:buClr>
+              <a:buFont typeface="Arial"/>
+              <a:buChar char="●"/>
+            </a:pPr>
+            <a:endParaRPr lang="en-US" sz="1600" dirty="0">
+              <a:solidFill>
+                <a:schemeClr val="tx2">
+                  <a:lumMod val="75000"/>
+                </a:schemeClr>
+              </a:solidFill>
+              <a:latin typeface="Times New Roman" panose="02020603050405020304" pitchFamily="18" charset="0"/>
+              <a:cs typeface="Times New Roman" panose="02020603050405020304" pitchFamily="18" charset="0"/>
+            </a:endParaRPr>
+          </a:p>
+          <a:p>
+            <a:pPr>
+              <a:spcBef>
+                <a:spcPts val="5"/>
+              </a:spcBef>
+              <a:buClr>
+                <a:srgbClr val="134F5C"/>
+              </a:buClr>
+              <a:buFont typeface="Arial"/>
+              <a:buChar char="●"/>
+            </a:pPr>
+            <a:r>
+              <a:rPr lang="en-US" sz="1600" dirty="0">
+                <a:solidFill>
+                  <a:schemeClr val="tx2">
+                    <a:lumMod val="75000"/>
+                  </a:schemeClr>
+                </a:solidFill>
+                <a:latin typeface="Times New Roman" panose="02020603050405020304" pitchFamily="18" charset="0"/>
+                <a:cs typeface="Times New Roman" panose="02020603050405020304" pitchFamily="18" charset="0"/>
+              </a:rPr>
+              <a:t>      </a:t>
+            </a:r>
+            <a:r>
+              <a:rPr lang="en-US" sz="1600" b="1" dirty="0">
+                <a:solidFill>
+                  <a:schemeClr val="tx2">
+                    <a:lumMod val="75000"/>
+                  </a:schemeClr>
+                </a:solidFill>
+                <a:latin typeface="Times New Roman" panose="02020603050405020304" pitchFamily="18" charset="0"/>
+                <a:cs typeface="Times New Roman" panose="02020603050405020304" pitchFamily="18" charset="0"/>
+              </a:rPr>
+              <a:t>SMOTE </a:t>
+            </a:r>
+            <a:r>
+              <a:rPr lang="en-US" sz="1600" dirty="0">
+                <a:solidFill>
+                  <a:schemeClr val="tx2">
+                    <a:lumMod val="75000"/>
+                  </a:schemeClr>
+                </a:solidFill>
+                <a:latin typeface="Times New Roman" panose="02020603050405020304" pitchFamily="18" charset="0"/>
+                <a:cs typeface="Times New Roman" panose="02020603050405020304" pitchFamily="18" charset="0"/>
+              </a:rPr>
+              <a:t>- </a:t>
+            </a:r>
+            <a:r>
+              <a:rPr lang="en-US" sz="1600" i="0" dirty="0">
+                <a:solidFill>
+                  <a:schemeClr val="tx2">
+                    <a:lumMod val="75000"/>
+                  </a:schemeClr>
+                </a:solidFill>
+                <a:effectLst/>
+                <a:latin typeface="Times New Roman" panose="02020603050405020304" pitchFamily="18" charset="0"/>
+                <a:cs typeface="Times New Roman" panose="02020603050405020304" pitchFamily="18" charset="0"/>
+              </a:rPr>
+              <a:t>SMOTE</a:t>
+            </a:r>
+            <a:r>
+              <a:rPr lang="en-US" sz="1600" b="0" i="0" dirty="0">
+                <a:solidFill>
+                  <a:schemeClr val="tx2">
+                    <a:lumMod val="75000"/>
+                  </a:schemeClr>
+                </a:solidFill>
+                <a:effectLst/>
+                <a:latin typeface="Times New Roman" panose="02020603050405020304" pitchFamily="18" charset="0"/>
+                <a:cs typeface="Times New Roman" panose="02020603050405020304" pitchFamily="18" charset="0"/>
+              </a:rPr>
+              <a:t>(synthetic minority oversampling technique) is one of the most  commonly 	  	        used oversampling methods to solve the imbalance problem. It aims to balance class 	       distribution by randomly increasing minority class examples by replicating them. 	     	       SMOTE synthesizes new minority instances between existing minority instances. It   	       generates the virtual training records by linear interpolation for the minority class.</a:t>
+            </a:r>
+          </a:p>
+          <a:p>
+            <a:pPr>
               <a:spcBef>
                 <a:spcPts val="5"/>
               </a:spcBef>
@@ -7583,6 +7678,81 @@
               </a:rPr>
               <a:t>dataset.</a:t>
             </a:r>
+            <a:endParaRPr lang="en-US" sz="1600" spc="30" dirty="0">
+              <a:solidFill>
+                <a:schemeClr val="tx2">
+                  <a:lumMod val="75000"/>
+                </a:schemeClr>
+              </a:solidFill>
+              <a:latin typeface="Times New Roman" panose="02020603050405020304" pitchFamily="18" charset="0"/>
+              <a:cs typeface="Times New Roman" panose="02020603050405020304" pitchFamily="18" charset="0"/>
+            </a:endParaRPr>
+          </a:p>
+          <a:p>
+            <a:pPr marL="379095" indent="-367030">
+              <a:lnSpc>
+                <a:spcPct val="100000"/>
+              </a:lnSpc>
+              <a:spcBef>
+                <a:spcPts val="5"/>
+              </a:spcBef>
+              <a:buFont typeface="Arial"/>
+              <a:buChar char="●"/>
+              <a:tabLst>
+                <a:tab pos="379095" algn="l"/>
+                <a:tab pos="379730" algn="l"/>
+              </a:tabLst>
+            </a:pPr>
+            <a:endParaRPr lang="en-US" sz="1600" spc="30" dirty="0">
+              <a:solidFill>
+                <a:schemeClr val="tx2">
+                  <a:lumMod val="75000"/>
+                </a:schemeClr>
+              </a:solidFill>
+              <a:latin typeface="Times New Roman" panose="02020603050405020304" pitchFamily="18" charset="0"/>
+              <a:cs typeface="Times New Roman" panose="02020603050405020304" pitchFamily="18" charset="0"/>
+            </a:endParaRPr>
+          </a:p>
+          <a:p>
+            <a:pPr marL="379095" indent="-367030">
+              <a:lnSpc>
+                <a:spcPct val="100000"/>
+              </a:lnSpc>
+              <a:spcBef>
+                <a:spcPts val="5"/>
+              </a:spcBef>
+              <a:buFont typeface="Arial"/>
+              <a:buChar char="●"/>
+              <a:tabLst>
+                <a:tab pos="379095" algn="l"/>
+                <a:tab pos="379730" algn="l"/>
+              </a:tabLst>
+            </a:pPr>
+            <a:endParaRPr lang="en-US" sz="1600" spc="30" dirty="0">
+              <a:solidFill>
+                <a:schemeClr val="tx2">
+                  <a:lumMod val="75000"/>
+                </a:schemeClr>
+              </a:solidFill>
+              <a:latin typeface="Times New Roman" panose="02020603050405020304" pitchFamily="18" charset="0"/>
+              <a:cs typeface="Times New Roman" panose="02020603050405020304" pitchFamily="18" charset="0"/>
+            </a:endParaRPr>
+          </a:p>
+          <a:p>
+            <a:pPr marL="379095" indent="-367030">
+              <a:lnSpc>
+                <a:spcPct val="100000"/>
+              </a:lnSpc>
+              <a:spcBef>
+                <a:spcPts val="5"/>
+              </a:spcBef>
+              <a:buFont typeface="Arial"/>
+              <a:buChar char="●"/>
+              <a:tabLst>
+                <a:tab pos="379095" algn="l"/>
+                <a:tab pos="379730" algn="l"/>
+              </a:tabLst>
+            </a:pPr>
             <a:endParaRPr sz="1600" dirty="0">
               <a:solidFill>
                 <a:schemeClr val="tx2">

--- a/Presentation-Bank Marketing Effectiveness Prediction.pptx.pptx
+++ b/Presentation-Bank Marketing Effectiveness Prediction.pptx.pptx
@@ -7859,7 +7859,7 @@
         </p:nvSpPr>
         <p:spPr>
           <a:xfrm>
-            <a:off x="530225" y="1507363"/>
+            <a:off x="440218" y="1342442"/>
             <a:ext cx="7775575" cy="259045"/>
           </a:xfrm>
           <a:prstGeom prst="rect">
@@ -7984,7 +7984,7 @@
         </p:nvSpPr>
         <p:spPr>
           <a:xfrm>
-            <a:off x="510732" y="2495550"/>
+            <a:off x="466799" y="2050558"/>
             <a:ext cx="3444240" cy="2292935"/>
           </a:xfrm>
           <a:prstGeom prst="rect">
